--- a/docs/overviewDiagram.pptx
+++ b/docs/overviewDiagram.pptx
@@ -268,7 +268,7 @@
           <a:p>
             <a:fld id="{FAB6B593-82F9-4047-AFF5-F4AEA2D4F6A9}" type="datetimeFigureOut">
               <a:rPr lang="en-US" smtClean="0"/>
-              <a:t>9/19/16</a:t>
+              <a:t>12/5/16</a:t>
             </a:fld>
             <a:endParaRPr lang="en-US"/>
           </a:p>
@@ -667,7 +667,7 @@
           <a:p>
             <a:fld id="{8D94BB05-A485-E642-BE16-7D71FD7DED4E}" type="datetimeFigureOut">
               <a:rPr lang="en-US" smtClean="0"/>
-              <a:t>9/19/16</a:t>
+              <a:t>12/5/16</a:t>
             </a:fld>
             <a:endParaRPr lang="en-US"/>
           </a:p>
@@ -837,7 +837,7 @@
           <a:p>
             <a:fld id="{8D94BB05-A485-E642-BE16-7D71FD7DED4E}" type="datetimeFigureOut">
               <a:rPr lang="en-US" smtClean="0"/>
-              <a:t>9/19/16</a:t>
+              <a:t>12/5/16</a:t>
             </a:fld>
             <a:endParaRPr lang="en-US"/>
           </a:p>
@@ -1017,7 +1017,7 @@
           <a:p>
             <a:fld id="{8D94BB05-A485-E642-BE16-7D71FD7DED4E}" type="datetimeFigureOut">
               <a:rPr lang="en-US" smtClean="0"/>
-              <a:t>9/19/16</a:t>
+              <a:t>12/5/16</a:t>
             </a:fld>
             <a:endParaRPr lang="en-US"/>
           </a:p>
@@ -1187,7 +1187,7 @@
           <a:p>
             <a:fld id="{8D94BB05-A485-E642-BE16-7D71FD7DED4E}" type="datetimeFigureOut">
               <a:rPr lang="en-US" smtClean="0"/>
-              <a:t>9/19/16</a:t>
+              <a:t>12/5/16</a:t>
             </a:fld>
             <a:endParaRPr lang="en-US"/>
           </a:p>
@@ -1431,7 +1431,7 @@
           <a:p>
             <a:fld id="{8D94BB05-A485-E642-BE16-7D71FD7DED4E}" type="datetimeFigureOut">
               <a:rPr lang="en-US" smtClean="0"/>
-              <a:t>9/19/16</a:t>
+              <a:t>12/5/16</a:t>
             </a:fld>
             <a:endParaRPr lang="en-US"/>
           </a:p>
@@ -1663,7 +1663,7 @@
           <a:p>
             <a:fld id="{8D94BB05-A485-E642-BE16-7D71FD7DED4E}" type="datetimeFigureOut">
               <a:rPr lang="en-US" smtClean="0"/>
-              <a:t>9/19/16</a:t>
+              <a:t>12/5/16</a:t>
             </a:fld>
             <a:endParaRPr lang="en-US"/>
           </a:p>
@@ -2030,7 +2030,7 @@
           <a:p>
             <a:fld id="{8D94BB05-A485-E642-BE16-7D71FD7DED4E}" type="datetimeFigureOut">
               <a:rPr lang="en-US" smtClean="0"/>
-              <a:t>9/19/16</a:t>
+              <a:t>12/5/16</a:t>
             </a:fld>
             <a:endParaRPr lang="en-US"/>
           </a:p>
@@ -2148,7 +2148,7 @@
           <a:p>
             <a:fld id="{8D94BB05-A485-E642-BE16-7D71FD7DED4E}" type="datetimeFigureOut">
               <a:rPr lang="en-US" smtClean="0"/>
-              <a:t>9/19/16</a:t>
+              <a:t>12/5/16</a:t>
             </a:fld>
             <a:endParaRPr lang="en-US"/>
           </a:p>
@@ -2243,7 +2243,7 @@
           <a:p>
             <a:fld id="{8D94BB05-A485-E642-BE16-7D71FD7DED4E}" type="datetimeFigureOut">
               <a:rPr lang="en-US" smtClean="0"/>
-              <a:t>9/19/16</a:t>
+              <a:t>12/5/16</a:t>
             </a:fld>
             <a:endParaRPr lang="en-US"/>
           </a:p>
@@ -2520,7 +2520,7 @@
           <a:p>
             <a:fld id="{8D94BB05-A485-E642-BE16-7D71FD7DED4E}" type="datetimeFigureOut">
               <a:rPr lang="en-US" smtClean="0"/>
-              <a:t>9/19/16</a:t>
+              <a:t>12/5/16</a:t>
             </a:fld>
             <a:endParaRPr lang="en-US"/>
           </a:p>
@@ -2777,7 +2777,7 @@
           <a:p>
             <a:fld id="{8D94BB05-A485-E642-BE16-7D71FD7DED4E}" type="datetimeFigureOut">
               <a:rPr lang="en-US" smtClean="0"/>
-              <a:t>9/19/16</a:t>
+              <a:t>12/5/16</a:t>
             </a:fld>
             <a:endParaRPr lang="en-US"/>
           </a:p>
@@ -2990,7 +2990,7 @@
           <a:p>
             <a:fld id="{8D94BB05-A485-E642-BE16-7D71FD7DED4E}" type="datetimeFigureOut">
               <a:rPr lang="en-US" smtClean="0"/>
-              <a:t>9/19/16</a:t>
+              <a:t>12/5/16</a:t>
             </a:fld>
             <a:endParaRPr lang="en-US"/>
           </a:p>
@@ -4405,55 +4405,18 @@
                   </a:schemeClr>
                 </a:solidFill>
               </a:rPr>
-              <a:t>aparc.sub100.annot</a:t>
-            </a:r>
-            <a:r>
-              <a:rPr lang="en-US" sz="1000" dirty="0" smtClean="0">
+              <a:t>aparc.sub100.annot, aseg100 </a:t>
+            </a:r>
+            <a:r>
+              <a:rPr lang="en-US" sz="1000" dirty="0">
                 <a:solidFill>
                   <a:schemeClr val="accent1">
                     <a:lumMod val="75000"/>
                   </a:schemeClr>
                 </a:solidFill>
               </a:rPr>
-              <a:t>, aseg100 </a:t>
-            </a:r>
-            <a:r>
-              <a:rPr lang="en-US" sz="1000" dirty="0">
-                <a:solidFill>
-                  <a:schemeClr val="accent1">
-                    <a:lumMod val="75000"/>
-                  </a:schemeClr>
-                </a:solidFill>
-              </a:rPr>
-              <a:t>aparc</a:t>
-            </a:r>
-            <a:r>
-              <a:rPr lang="en-US" sz="1000" dirty="0">
-                <a:solidFill>
-                  <a:schemeClr val="accent1">
-                    <a:lumMod val="75000"/>
-                  </a:schemeClr>
-                </a:solidFill>
-              </a:rPr>
-              <a:t>.sub</a:t>
-            </a:r>
-            <a:r>
-              <a:rPr lang="en-US" sz="1000" dirty="0">
-                <a:solidFill>
-                  <a:schemeClr val="accent1">
-                    <a:lumMod val="75000"/>
-                  </a:schemeClr>
-                </a:solidFill>
-              </a:rPr>
-              <a:t>100+aseg100</a:t>
-            </a:r>
-            <a:endParaRPr lang="en-US" sz="1000" dirty="0">
-              <a:solidFill>
-                <a:schemeClr val="accent1">
-                  <a:lumMod val="75000"/>
-                </a:schemeClr>
-              </a:solidFill>
-            </a:endParaRPr>
+              <a:t>aparc.sub100+aseg100</a:t>
+            </a:r>
           </a:p>
         </p:txBody>
       </p:sp>
@@ -4749,15 +4712,7 @@
                   <a:srgbClr val="FF0000"/>
                 </a:solidFill>
               </a:rPr>
-              <a:t>sub</a:t>
-            </a:r>
-            <a:r>
-              <a:rPr lang="en-US" sz="1000" dirty="0" smtClean="0">
-                <a:solidFill>
-                  <a:srgbClr val="FF0000"/>
-                </a:solidFill>
-              </a:rPr>
-              <a:t>100.annot</a:t>
+              <a:t>sub100.annot</a:t>
             </a:r>
             <a:endParaRPr lang="en-US" sz="1000" dirty="0">
               <a:solidFill>
@@ -7311,7 +7266,7 @@
         </p:nvSpPr>
         <p:spPr>
           <a:xfrm>
-            <a:off x="5480738" y="4470504"/>
+            <a:off x="4809491" y="4516875"/>
             <a:ext cx="1279807" cy="393993"/>
           </a:xfrm>
           <a:prstGeom prst="rect">
@@ -7604,7 +7559,7 @@
         <p:spPr>
           <a:xfrm>
             <a:off x="5137308" y="4214966"/>
-            <a:ext cx="983334" cy="255538"/>
+            <a:ext cx="312087" cy="301909"/>
           </a:xfrm>
           <a:prstGeom prst="straightConnector1">
             <a:avLst/>
@@ -7641,9 +7596,9 @@
           <p:nvPr/>
         </p:nvCxnSpPr>
         <p:spPr>
-          <a:xfrm flipV="1">
-            <a:off x="4875248" y="4667501"/>
-            <a:ext cx="605490" cy="1261880"/>
+          <a:xfrm flipH="1" flipV="1">
+            <a:off x="4809491" y="4713872"/>
+            <a:ext cx="65757" cy="1215509"/>
           </a:xfrm>
           <a:prstGeom prst="straightConnector1">
             <a:avLst/>
@@ -7795,9 +7750,9 @@
           <p:nvPr/>
         </p:nvCxnSpPr>
         <p:spPr>
-          <a:xfrm flipH="1">
-            <a:off x="5958182" y="4864497"/>
-            <a:ext cx="162460" cy="316849"/>
+          <a:xfrm>
+            <a:off x="5449395" y="4910868"/>
+            <a:ext cx="508787" cy="270478"/>
           </a:xfrm>
           <a:prstGeom prst="straightConnector1">
             <a:avLst/>

--- a/docs/overviewDiagram.pptx
+++ b/docs/overviewDiagram.pptx
@@ -4636,8 +4636,8 @@
         </p:nvSpPr>
         <p:spPr>
           <a:xfrm>
-            <a:off x="2948544" y="6858986"/>
-            <a:ext cx="1765083" cy="400738"/>
+            <a:off x="2948544" y="6761050"/>
+            <a:ext cx="1765083" cy="498674"/>
           </a:xfrm>
           <a:prstGeom prst="ellipse">
             <a:avLst/>
@@ -4734,7 +4734,7 @@
         <p:spPr>
           <a:xfrm flipH="1">
             <a:off x="3831086" y="5097711"/>
-            <a:ext cx="7352" cy="1761275"/>
+            <a:ext cx="7352" cy="1663339"/>
           </a:xfrm>
           <a:prstGeom prst="straightConnector1">
             <a:avLst/>
@@ -8187,7 +8187,7 @@
         </p:nvSpPr>
         <p:spPr>
           <a:xfrm>
-            <a:off x="4453740" y="6499371"/>
+            <a:off x="4466029" y="6430282"/>
             <a:ext cx="2328974" cy="504815"/>
           </a:xfrm>
           <a:prstGeom prst="ellipse">
@@ -8287,8 +8287,8 @@
         </p:nvCxnSpPr>
         <p:spPr>
           <a:xfrm flipH="1">
-            <a:off x="5618227" y="6255536"/>
-            <a:ext cx="339954" cy="243835"/>
+            <a:off x="5630516" y="6255536"/>
+            <a:ext cx="327665" cy="174746"/>
           </a:xfrm>
           <a:prstGeom prst="straightConnector1">
             <a:avLst/>
@@ -8416,8 +8416,8 @@
         </p:nvCxnSpPr>
         <p:spPr>
           <a:xfrm>
-            <a:off x="5618227" y="7004186"/>
-            <a:ext cx="482098" cy="243835"/>
+            <a:off x="5630516" y="6935097"/>
+            <a:ext cx="469809" cy="312924"/>
           </a:xfrm>
           <a:prstGeom prst="straightConnector1">
             <a:avLst/>
